--- a/Final_Report/CapStone-Project.pptx
+++ b/Final_Report/CapStone-Project.pptx
@@ -9,12 +9,12 @@
   </p:notesMasterIdLst>
   <p:sldIdLst>
     <p:sldId id="256" r:id="rId2"/>
-    <p:sldId id="257" r:id="rId3"/>
-    <p:sldId id="258" r:id="rId4"/>
-    <p:sldId id="259" r:id="rId5"/>
-    <p:sldId id="260" r:id="rId6"/>
-    <p:sldId id="261" r:id="rId7"/>
-    <p:sldId id="262" r:id="rId8"/>
+    <p:sldId id="265" r:id="rId3"/>
+    <p:sldId id="257" r:id="rId4"/>
+    <p:sldId id="258" r:id="rId5"/>
+    <p:sldId id="259" r:id="rId6"/>
+    <p:sldId id="260" r:id="rId7"/>
+    <p:sldId id="261" r:id="rId8"/>
     <p:sldId id="263" r:id="rId9"/>
     <p:sldId id="264" r:id="rId10"/>
   </p:sldIdLst>
@@ -205,7 +205,7 @@
           <a:p>
             <a:fld id="{74A091B0-9654-4061-9A1F-39E2CFBEB343}" type="datetimeFigureOut">
               <a:rPr lang="en-US" smtClean="0"/>
-              <a:t>5/10/2020</a:t>
+              <a:t>5/13/2020</a:t>
             </a:fld>
             <a:endParaRPr lang="en-US"/>
           </a:p>
@@ -537,7 +537,7 @@
           <a:p>
             <a:fld id="{A496DFC9-E2B8-4205-8A9B-D9BE3F22CFA0}" type="slidenum">
               <a:rPr lang="en-US" smtClean="0"/>
-              <a:t>6</a:t>
+              <a:t>7</a:t>
             </a:fld>
             <a:endParaRPr lang="en-US"/>
           </a:p>
@@ -703,7 +703,7 @@
           <a:p>
             <a:fld id="{36751E52-2B55-49BD-AB12-761FF8DFE42C}" type="datetimeFigureOut">
               <a:rPr lang="en-US" smtClean="0"/>
-              <a:t>5/10/2020</a:t>
+              <a:t>5/13/2020</a:t>
             </a:fld>
             <a:endParaRPr lang="en-US"/>
           </a:p>
@@ -901,7 +901,7 @@
           <a:p>
             <a:fld id="{36751E52-2B55-49BD-AB12-761FF8DFE42C}" type="datetimeFigureOut">
               <a:rPr lang="en-US" smtClean="0"/>
-              <a:t>5/10/2020</a:t>
+              <a:t>5/13/2020</a:t>
             </a:fld>
             <a:endParaRPr lang="en-US"/>
           </a:p>
@@ -1109,7 +1109,7 @@
           <a:p>
             <a:fld id="{36751E52-2B55-49BD-AB12-761FF8DFE42C}" type="datetimeFigureOut">
               <a:rPr lang="en-US" smtClean="0"/>
-              <a:t>5/10/2020</a:t>
+              <a:t>5/13/2020</a:t>
             </a:fld>
             <a:endParaRPr lang="en-US"/>
           </a:p>
@@ -1307,7 +1307,7 @@
           <a:p>
             <a:fld id="{36751E52-2B55-49BD-AB12-761FF8DFE42C}" type="datetimeFigureOut">
               <a:rPr lang="en-US" smtClean="0"/>
-              <a:t>5/10/2020</a:t>
+              <a:t>5/13/2020</a:t>
             </a:fld>
             <a:endParaRPr lang="en-US"/>
           </a:p>
@@ -1582,7 +1582,7 @@
           <a:p>
             <a:fld id="{36751E52-2B55-49BD-AB12-761FF8DFE42C}" type="datetimeFigureOut">
               <a:rPr lang="en-US" smtClean="0"/>
-              <a:t>5/10/2020</a:t>
+              <a:t>5/13/2020</a:t>
             </a:fld>
             <a:endParaRPr lang="en-US"/>
           </a:p>
@@ -1847,7 +1847,7 @@
           <a:p>
             <a:fld id="{36751E52-2B55-49BD-AB12-761FF8DFE42C}" type="datetimeFigureOut">
               <a:rPr lang="en-US" smtClean="0"/>
-              <a:t>5/10/2020</a:t>
+              <a:t>5/13/2020</a:t>
             </a:fld>
             <a:endParaRPr lang="en-US"/>
           </a:p>
@@ -2259,7 +2259,7 @@
           <a:p>
             <a:fld id="{36751E52-2B55-49BD-AB12-761FF8DFE42C}" type="datetimeFigureOut">
               <a:rPr lang="en-US" smtClean="0"/>
-              <a:t>5/10/2020</a:t>
+              <a:t>5/13/2020</a:t>
             </a:fld>
             <a:endParaRPr lang="en-US"/>
           </a:p>
@@ -2400,7 +2400,7 @@
           <a:p>
             <a:fld id="{36751E52-2B55-49BD-AB12-761FF8DFE42C}" type="datetimeFigureOut">
               <a:rPr lang="en-US" smtClean="0"/>
-              <a:t>5/10/2020</a:t>
+              <a:t>5/13/2020</a:t>
             </a:fld>
             <a:endParaRPr lang="en-US"/>
           </a:p>
@@ -2513,7 +2513,7 @@
           <a:p>
             <a:fld id="{36751E52-2B55-49BD-AB12-761FF8DFE42C}" type="datetimeFigureOut">
               <a:rPr lang="en-US" smtClean="0"/>
-              <a:t>5/10/2020</a:t>
+              <a:t>5/13/2020</a:t>
             </a:fld>
             <a:endParaRPr lang="en-US"/>
           </a:p>
@@ -2824,7 +2824,7 @@
           <a:p>
             <a:fld id="{36751E52-2B55-49BD-AB12-761FF8DFE42C}" type="datetimeFigureOut">
               <a:rPr lang="en-US" smtClean="0"/>
-              <a:t>5/10/2020</a:t>
+              <a:t>5/13/2020</a:t>
             </a:fld>
             <a:endParaRPr lang="en-US"/>
           </a:p>
@@ -3112,7 +3112,7 @@
           <a:p>
             <a:fld id="{36751E52-2B55-49BD-AB12-761FF8DFE42C}" type="datetimeFigureOut">
               <a:rPr lang="en-US" smtClean="0"/>
-              <a:t>5/10/2020</a:t>
+              <a:t>5/13/2020</a:t>
             </a:fld>
             <a:endParaRPr lang="en-US"/>
           </a:p>
@@ -3353,7 +3353,7 @@
           <a:p>
             <a:fld id="{36751E52-2B55-49BD-AB12-761FF8DFE42C}" type="datetimeFigureOut">
               <a:rPr lang="en-US" smtClean="0"/>
-              <a:t>5/10/2020</a:t>
+              <a:t>5/13/2020</a:t>
             </a:fld>
             <a:endParaRPr lang="en-US"/>
           </a:p>
@@ -3970,6 +3970,267 @@
           <p:cNvPr id="2" name="Title 1">
             <a:extLst>
               <a:ext uri="{FF2B5EF4-FFF2-40B4-BE49-F238E27FC236}">
+                <a16:creationId xmlns:a16="http://schemas.microsoft.com/office/drawing/2014/main" id="{E4EA43DE-09F8-43FD-B276-E0020DEE6A48}"/>
+              </a:ext>
+            </a:extLst>
+          </p:cNvPr>
+          <p:cNvSpPr>
+            <a:spLocks noGrp="1"/>
+          </p:cNvSpPr>
+          <p:nvPr>
+            <p:ph type="title"/>
+          </p:nvPr>
+        </p:nvSpPr>
+        <p:spPr>
+          <a:xfrm>
+            <a:off x="838200" y="365125"/>
+            <a:ext cx="10515600" cy="620395"/>
+          </a:xfrm>
+        </p:spPr>
+        <p:txBody>
+          <a:bodyPr>
+            <a:normAutofit fontScale="90000"/>
+          </a:bodyPr>
+          <a:lstStyle/>
+          <a:p>
+            <a:r>
+              <a:rPr lang="en-US" dirty="0"/>
+              <a:t> Problem Statement</a:t>
+            </a:r>
+          </a:p>
+        </p:txBody>
+      </p:sp>
+      <p:sp>
+        <p:nvSpPr>
+          <p:cNvPr id="3" name="Content Placeholder 2">
+            <a:extLst>
+              <a:ext uri="{FF2B5EF4-FFF2-40B4-BE49-F238E27FC236}">
+                <a16:creationId xmlns:a16="http://schemas.microsoft.com/office/drawing/2014/main" id="{081B847F-381A-4A43-A3D0-80C46EE70B73}"/>
+              </a:ext>
+            </a:extLst>
+          </p:cNvPr>
+          <p:cNvSpPr>
+            <a:spLocks noGrp="1"/>
+          </p:cNvSpPr>
+          <p:nvPr>
+            <p:ph idx="1"/>
+          </p:nvPr>
+        </p:nvSpPr>
+        <p:spPr>
+          <a:xfrm>
+            <a:off x="838200" y="992504"/>
+            <a:ext cx="10515600" cy="5581015"/>
+          </a:xfrm>
+        </p:spPr>
+        <p:txBody>
+          <a:bodyPr>
+            <a:normAutofit/>
+          </a:bodyPr>
+          <a:lstStyle/>
+          <a:p>
+            <a:pPr marL="0" indent="0">
+              <a:buNone/>
+            </a:pPr>
+            <a:r>
+              <a:rPr lang="en-US" sz="1800" dirty="0"/>
+              <a:t>. Pneumonia is an infection in one or both </a:t>
+            </a:r>
+            <a:r>
+              <a:rPr lang="en-US" sz="1800" dirty="0" err="1"/>
+              <a:t>lungs.Bacteria,viruses,and</a:t>
+            </a:r>
+            <a:r>
+              <a:rPr lang="en-US" sz="1800" dirty="0"/>
+              <a:t> fungi cause it.</a:t>
+            </a:r>
+          </a:p>
+          <a:p>
+            <a:pPr marL="0" indent="0">
+              <a:buNone/>
+            </a:pPr>
+            <a:r>
+              <a:rPr lang="en-US" sz="1800" dirty="0"/>
+              <a:t>. Usually it is diagnosed by using chest X-rays(CXRs)</a:t>
+            </a:r>
+          </a:p>
+          <a:p>
+            <a:pPr marL="0" indent="0">
+              <a:buNone/>
+            </a:pPr>
+            <a:endParaRPr lang="en-US" sz="1800" dirty="0"/>
+          </a:p>
+          <a:p>
+            <a:pPr marL="0" indent="0">
+              <a:buNone/>
+            </a:pPr>
+            <a:r>
+              <a:rPr lang="en-US" sz="1800" dirty="0"/>
+              <a:t>What problem we are going to address?</a:t>
+            </a:r>
+          </a:p>
+          <a:p>
+            <a:pPr marL="0" indent="0">
+              <a:buNone/>
+            </a:pPr>
+            <a:r>
+              <a:rPr lang="en-US" sz="1800" dirty="0"/>
+              <a:t>. Highly trained specialists are required to review CXRs</a:t>
+            </a:r>
+          </a:p>
+          <a:p>
+            <a:pPr marL="0" indent="0">
+              <a:buNone/>
+            </a:pPr>
+            <a:r>
+              <a:rPr lang="en-US" sz="1800" dirty="0"/>
+              <a:t>. Clinicians are faced with reading high volumes of images every shift</a:t>
+            </a:r>
+          </a:p>
+          <a:p>
+            <a:pPr marL="0" indent="0">
+              <a:buNone/>
+            </a:pPr>
+            <a:endParaRPr lang="en-US" sz="1800" dirty="0"/>
+          </a:p>
+          <a:p>
+            <a:pPr marL="0" indent="0">
+              <a:buNone/>
+            </a:pPr>
+            <a:r>
+              <a:rPr lang="en-US" sz="1800" dirty="0"/>
+              <a:t>Solution:</a:t>
+            </a:r>
+          </a:p>
+          <a:p>
+            <a:pPr marL="0" indent="0">
+              <a:buNone/>
+            </a:pPr>
+            <a:r>
+              <a:rPr lang="en-US" sz="1800" dirty="0"/>
+              <a:t>. Build an algorithm to automatically locate lung opacities on chest X-rays</a:t>
+            </a:r>
+          </a:p>
+          <a:p>
+            <a:pPr marL="0" indent="0">
+              <a:buNone/>
+            </a:pPr>
+            <a:endParaRPr lang="en-US" sz="1800" dirty="0"/>
+          </a:p>
+          <a:p>
+            <a:pPr marL="0" indent="0">
+              <a:buNone/>
+            </a:pPr>
+            <a:r>
+              <a:rPr lang="en-US" sz="1800" dirty="0"/>
+              <a:t>What we are going to achieve?</a:t>
+            </a:r>
+          </a:p>
+          <a:p>
+            <a:pPr marL="0" indent="0">
+              <a:buNone/>
+            </a:pPr>
+            <a:r>
+              <a:rPr lang="en-US" sz="1800" dirty="0"/>
+              <a:t>. Assist physicians  to make better clinical decisions or even replace human judgement in certain functional areas of healthcare (</a:t>
+            </a:r>
+            <a:r>
+              <a:rPr lang="en-US" sz="1800" dirty="0" err="1"/>
+              <a:t>eg</a:t>
+            </a:r>
+            <a:r>
+              <a:rPr lang="en-US" sz="1800" dirty="0"/>
+              <a:t> radiology)</a:t>
+            </a:r>
+          </a:p>
+          <a:p>
+            <a:pPr marL="0" indent="0">
+              <a:buNone/>
+            </a:pPr>
+            <a:endParaRPr lang="en-US" sz="1800" dirty="0"/>
+          </a:p>
+          <a:p>
+            <a:pPr marL="0" indent="0">
+              <a:buNone/>
+            </a:pPr>
+            <a:endParaRPr lang="en-US" sz="1800" dirty="0"/>
+          </a:p>
+          <a:p>
+            <a:pPr marL="0" indent="0">
+              <a:buNone/>
+            </a:pPr>
+            <a:endParaRPr lang="en-US" sz="1800" dirty="0"/>
+          </a:p>
+        </p:txBody>
+      </p:sp>
+    </p:spTree>
+    <p:extLst>
+      <p:ext uri="{BB962C8B-B14F-4D97-AF65-F5344CB8AC3E}">
+        <p14:creationId xmlns:p14="http://schemas.microsoft.com/office/powerpoint/2010/main" val="3079476793"/>
+      </p:ext>
+    </p:extLst>
+  </p:cSld>
+  <p:clrMapOvr>
+    <a:masterClrMapping/>
+  </p:clrMapOvr>
+</p:sld>
+</file>
+
+<file path=ppt/slides/slide3.xml><?xml version="1.0" encoding="utf-8"?>
+<p:sld xmlns:a="http://schemas.openxmlformats.org/drawingml/2006/main" xmlns:r="http://schemas.openxmlformats.org/officeDocument/2006/relationships" xmlns:p="http://schemas.openxmlformats.org/presentationml/2006/main">
+  <p:cSld>
+    <p:bg>
+      <p:bgPr>
+        <a:gradFill>
+          <a:gsLst>
+            <a:gs pos="0">
+              <a:schemeClr val="accent1">
+                <a:lumMod val="5000"/>
+                <a:lumOff val="95000"/>
+              </a:schemeClr>
+            </a:gs>
+            <a:gs pos="74000">
+              <a:schemeClr val="accent1">
+                <a:lumMod val="45000"/>
+                <a:lumOff val="55000"/>
+              </a:schemeClr>
+            </a:gs>
+            <a:gs pos="83000">
+              <a:schemeClr val="accent1">
+                <a:lumMod val="45000"/>
+                <a:lumOff val="55000"/>
+              </a:schemeClr>
+            </a:gs>
+            <a:gs pos="100000">
+              <a:schemeClr val="accent1">
+                <a:lumMod val="30000"/>
+                <a:lumOff val="70000"/>
+              </a:schemeClr>
+            </a:gs>
+          </a:gsLst>
+          <a:lin ang="5400000" scaled="1"/>
+        </a:gradFill>
+        <a:effectLst/>
+      </p:bgPr>
+    </p:bg>
+    <p:spTree>
+      <p:nvGrpSpPr>
+        <p:cNvPr id="1" name=""/>
+        <p:cNvGrpSpPr/>
+        <p:nvPr/>
+      </p:nvGrpSpPr>
+      <p:grpSpPr>
+        <a:xfrm>
+          <a:off x="0" y="0"/>
+          <a:ext cx="0" cy="0"/>
+          <a:chOff x="0" y="0"/>
+          <a:chExt cx="0" cy="0"/>
+        </a:xfrm>
+      </p:grpSpPr>
+      <p:sp>
+        <p:nvSpPr>
+          <p:cNvPr id="2" name="Title 1">
+            <a:extLst>
+              <a:ext uri="{FF2B5EF4-FFF2-40B4-BE49-F238E27FC236}">
                 <a16:creationId xmlns:a16="http://schemas.microsoft.com/office/drawing/2014/main" id="{0BEACF45-C7DC-4B5E-9938-5768AA7B8924}"/>
               </a:ext>
             </a:extLst>
@@ -4201,8 +4462,19 @@
           <a:p>
             <a:r>
               <a:rPr lang="en-US" dirty="0"/>
-              <a:t>. </a:t>
-            </a:r>
+              <a:t>. In adjacent images, Air indicated by black </a:t>
+            </a:r>
+            <a:r>
+              <a:rPr lang="en-US" dirty="0" err="1"/>
+              <a:t>color,bones</a:t>
+            </a:r>
+            <a:r>
+              <a:rPr lang="en-US" dirty="0"/>
+              <a:t> are the white color, tissues and fluids are grey</a:t>
+            </a:r>
+          </a:p>
+          <a:p>
+            <a:endParaRPr lang="en-US" dirty="0"/>
           </a:p>
           <a:p>
             <a:endParaRPr lang="en-US" dirty="0"/>
@@ -4273,155 +4545,6 @@
     <p:extLst>
       <p:ext uri="{BB962C8B-B14F-4D97-AF65-F5344CB8AC3E}">
         <p14:creationId xmlns:p14="http://schemas.microsoft.com/office/powerpoint/2010/main" val="1407436801"/>
-      </p:ext>
-    </p:extLst>
-  </p:cSld>
-  <p:clrMapOvr>
-    <a:masterClrMapping/>
-  </p:clrMapOvr>
-</p:sld>
-</file>
-
-<file path=ppt/slides/slide3.xml><?xml version="1.0" encoding="utf-8"?>
-<p:sld xmlns:a="http://schemas.openxmlformats.org/drawingml/2006/main" xmlns:r="http://schemas.openxmlformats.org/officeDocument/2006/relationships" xmlns:p="http://schemas.openxmlformats.org/presentationml/2006/main">
-  <p:cSld>
-    <p:bg>
-      <p:bgPr>
-        <a:gradFill>
-          <a:gsLst>
-            <a:gs pos="0">
-              <a:schemeClr val="accent1">
-                <a:lumMod val="5000"/>
-                <a:lumOff val="95000"/>
-              </a:schemeClr>
-            </a:gs>
-            <a:gs pos="74000">
-              <a:schemeClr val="accent1">
-                <a:lumMod val="45000"/>
-                <a:lumOff val="55000"/>
-              </a:schemeClr>
-            </a:gs>
-            <a:gs pos="83000">
-              <a:schemeClr val="accent1">
-                <a:lumMod val="45000"/>
-                <a:lumOff val="55000"/>
-              </a:schemeClr>
-            </a:gs>
-            <a:gs pos="100000">
-              <a:schemeClr val="accent1">
-                <a:lumMod val="30000"/>
-                <a:lumOff val="70000"/>
-              </a:schemeClr>
-            </a:gs>
-          </a:gsLst>
-          <a:lin ang="5400000" scaled="1"/>
-        </a:gradFill>
-        <a:effectLst/>
-      </p:bgPr>
-    </p:bg>
-    <p:spTree>
-      <p:nvGrpSpPr>
-        <p:cNvPr id="1" name=""/>
-        <p:cNvGrpSpPr/>
-        <p:nvPr/>
-      </p:nvGrpSpPr>
-      <p:grpSpPr>
-        <a:xfrm>
-          <a:off x="0" y="0"/>
-          <a:ext cx="0" cy="0"/>
-          <a:chOff x="0" y="0"/>
-          <a:chExt cx="0" cy="0"/>
-        </a:xfrm>
-      </p:grpSpPr>
-      <p:sp>
-        <p:nvSpPr>
-          <p:cNvPr id="2" name="Title 1">
-            <a:extLst>
-              <a:ext uri="{FF2B5EF4-FFF2-40B4-BE49-F238E27FC236}">
-                <a16:creationId xmlns:a16="http://schemas.microsoft.com/office/drawing/2014/main" id="{00AE347C-7EAA-41E3-8A75-6500988FF489}"/>
-              </a:ext>
-            </a:extLst>
-          </p:cNvPr>
-          <p:cNvSpPr>
-            <a:spLocks noGrp="1"/>
-          </p:cNvSpPr>
-          <p:nvPr>
-            <p:ph type="title"/>
-          </p:nvPr>
-        </p:nvSpPr>
-        <p:spPr>
-          <a:xfrm>
-            <a:off x="767080" y="253365"/>
-            <a:ext cx="10515600" cy="620395"/>
-          </a:xfrm>
-          <a:solidFill>
-            <a:schemeClr val="accent1">
-              <a:lumMod val="20000"/>
-              <a:lumOff val="80000"/>
-            </a:schemeClr>
-          </a:solidFill>
-        </p:spPr>
-        <p:txBody>
-          <a:bodyPr>
-            <a:normAutofit fontScale="90000"/>
-          </a:bodyPr>
-          <a:lstStyle/>
-          <a:p>
-            <a:r>
-              <a:rPr lang="en-US" dirty="0"/>
-              <a:t>                                  EDA</a:t>
-            </a:r>
-          </a:p>
-        </p:txBody>
-      </p:sp>
-      <p:pic>
-        <p:nvPicPr>
-          <p:cNvPr id="3" name="Picture 2">
-            <a:extLst>
-              <a:ext uri="{FF2B5EF4-FFF2-40B4-BE49-F238E27FC236}">
-                <a16:creationId xmlns:a16="http://schemas.microsoft.com/office/drawing/2014/main" id="{7D6392B1-8C8E-4D35-8081-2B9E380EEABC}"/>
-              </a:ext>
-            </a:extLst>
-          </p:cNvPr>
-          <p:cNvPicPr>
-            <a:picLocks noChangeAspect="1"/>
-          </p:cNvPicPr>
-          <p:nvPr/>
-        </p:nvPicPr>
-        <p:blipFill>
-          <a:blip r:embed="rId2"/>
-          <a:stretch>
-            <a:fillRect/>
-          </a:stretch>
-        </p:blipFill>
-        <p:spPr>
-          <a:xfrm>
-            <a:off x="767080" y="873760"/>
-            <a:ext cx="10515600" cy="5892800"/>
-          </a:xfrm>
-          <a:prstGeom prst="rect">
-            <a:avLst/>
-          </a:prstGeom>
-          <a:solidFill>
-            <a:schemeClr val="tx2">
-              <a:lumMod val="20000"/>
-              <a:lumOff val="80000"/>
-            </a:schemeClr>
-          </a:solidFill>
-          <a:effectLst>
-            <a:outerShdw blurRad="50800" dist="50800" dir="5400000" algn="ctr" rotWithShape="0">
-              <a:schemeClr val="tx2">
-                <a:lumMod val="20000"/>
-                <a:lumOff val="80000"/>
-              </a:schemeClr>
-            </a:outerShdw>
-          </a:effectLst>
-        </p:spPr>
-      </p:pic>
-    </p:spTree>
-    <p:extLst>
-      <p:ext uri="{BB962C8B-B14F-4D97-AF65-F5344CB8AC3E}">
-        <p14:creationId xmlns:p14="http://schemas.microsoft.com/office/powerpoint/2010/main" val="2326491092"/>
       </p:ext>
     </p:extLst>
   </p:cSld>
@@ -4487,7 +4610,7 @@
           <p:cNvPr id="2" name="Title 1">
             <a:extLst>
               <a:ext uri="{FF2B5EF4-FFF2-40B4-BE49-F238E27FC236}">
-                <a16:creationId xmlns:a16="http://schemas.microsoft.com/office/drawing/2014/main" id="{6F216B17-FAE6-42CE-8E1C-99CC86E161A3}"/>
+                <a16:creationId xmlns:a16="http://schemas.microsoft.com/office/drawing/2014/main" id="{00AE347C-7EAA-41E3-8A75-6500988FF489}"/>
               </a:ext>
             </a:extLst>
           </p:cNvPr>
@@ -4500,74 +4623,77 @@
         </p:nvSpPr>
         <p:spPr>
           <a:xfrm>
-            <a:off x="848360" y="385445"/>
-            <a:ext cx="10515600" cy="793115"/>
+            <a:off x="767080" y="253365"/>
+            <a:ext cx="10515600" cy="620395"/>
           </a:xfrm>
+          <a:solidFill>
+            <a:schemeClr val="accent1">
+              <a:lumMod val="20000"/>
+              <a:lumOff val="80000"/>
+            </a:schemeClr>
+          </a:solidFill>
+        </p:spPr>
+        <p:txBody>
+          <a:bodyPr>
+            <a:normAutofit fontScale="90000"/>
+          </a:bodyPr>
+          <a:lstStyle/>
+          <a:p>
+            <a:r>
+              <a:rPr lang="en-US" dirty="0"/>
+              <a:t>                                  EDA</a:t>
+            </a:r>
+          </a:p>
+        </p:txBody>
+      </p:sp>
+      <p:pic>
+        <p:nvPicPr>
+          <p:cNvPr id="3" name="Picture 2">
+            <a:extLst>
+              <a:ext uri="{FF2B5EF4-FFF2-40B4-BE49-F238E27FC236}">
+                <a16:creationId xmlns:a16="http://schemas.microsoft.com/office/drawing/2014/main" id="{7D6392B1-8C8E-4D35-8081-2B9E380EEABC}"/>
+              </a:ext>
+            </a:extLst>
+          </p:cNvPr>
+          <p:cNvPicPr>
+            <a:picLocks noChangeAspect="1"/>
+          </p:cNvPicPr>
+          <p:nvPr/>
+        </p:nvPicPr>
+        <p:blipFill>
+          <a:blip r:embed="rId2"/>
+          <a:stretch>
+            <a:fillRect/>
+          </a:stretch>
+        </p:blipFill>
+        <p:spPr>
+          <a:xfrm>
+            <a:off x="767080" y="873760"/>
+            <a:ext cx="10515600" cy="5892800"/>
+          </a:xfrm>
+          <a:prstGeom prst="rect">
+            <a:avLst/>
+          </a:prstGeom>
           <a:solidFill>
             <a:schemeClr val="tx2">
               <a:lumMod val="20000"/>
               <a:lumOff val="80000"/>
             </a:schemeClr>
           </a:solidFill>
-        </p:spPr>
-        <p:txBody>
-          <a:bodyPr/>
-          <a:lstStyle/>
-          <a:p>
-            <a:r>
-              <a:rPr lang="en-US" dirty="0"/>
-              <a:t>EDA..</a:t>
-            </a:r>
-            <a:r>
-              <a:rPr lang="en-US" sz="2000" b="1" dirty="0"/>
-              <a:t>(univariate analysis)</a:t>
-            </a:r>
-            <a:endParaRPr lang="en-US" b="1" dirty="0"/>
-          </a:p>
-        </p:txBody>
-      </p:sp>
-      <p:pic>
-        <p:nvPicPr>
-          <p:cNvPr id="4" name="image14.jpg">
-            <a:extLst>
-              <a:ext uri="{FF2B5EF4-FFF2-40B4-BE49-F238E27FC236}">
-                <a16:creationId xmlns:a16="http://schemas.microsoft.com/office/drawing/2014/main" id="{A661D6C5-14E5-4001-9D39-2803AC74C013}"/>
-              </a:ext>
-            </a:extLst>
-          </p:cNvPr>
-          <p:cNvPicPr>
-            <a:picLocks noGrp="1"/>
-          </p:cNvPicPr>
-          <p:nvPr>
-            <p:ph idx="1"/>
-          </p:nvPr>
-        </p:nvPicPr>
-        <p:blipFill>
-          <a:blip r:embed="rId2"/>
-          <a:srcRect/>
-          <a:stretch>
-            <a:fillRect/>
-          </a:stretch>
-        </p:blipFill>
-        <p:spPr>
-          <a:xfrm>
-            <a:off x="838200" y="1684105"/>
-            <a:ext cx="10515600" cy="3967627"/>
-          </a:xfrm>
-          <a:prstGeom prst="rect">
-            <a:avLst/>
-          </a:prstGeom>
-          <a:blipFill>
-            <a:blip r:embed="rId3"/>
-            <a:tile tx="0" ty="0" sx="100000" sy="100000" flip="none" algn="tl"/>
-          </a:blipFill>
-          <a:ln/>
+          <a:effectLst>
+            <a:outerShdw blurRad="50800" dist="50800" dir="5400000" algn="ctr" rotWithShape="0">
+              <a:schemeClr val="tx2">
+                <a:lumMod val="20000"/>
+                <a:lumOff val="80000"/>
+              </a:schemeClr>
+            </a:outerShdw>
+          </a:effectLst>
         </p:spPr>
       </p:pic>
     </p:spTree>
     <p:extLst>
       <p:ext uri="{BB962C8B-B14F-4D97-AF65-F5344CB8AC3E}">
-        <p14:creationId xmlns:p14="http://schemas.microsoft.com/office/powerpoint/2010/main" val="4000437512"/>
+        <p14:creationId xmlns:p14="http://schemas.microsoft.com/office/powerpoint/2010/main" val="2326491092"/>
       </p:ext>
     </p:extLst>
   </p:cSld>
@@ -4633,7 +4759,7 @@
           <p:cNvPr id="2" name="Title 1">
             <a:extLst>
               <a:ext uri="{FF2B5EF4-FFF2-40B4-BE49-F238E27FC236}">
-                <a16:creationId xmlns:a16="http://schemas.microsoft.com/office/drawing/2014/main" id="{037A1E4F-D9D5-4479-B1BB-404C9A30D150}"/>
+                <a16:creationId xmlns:a16="http://schemas.microsoft.com/office/drawing/2014/main" id="{6F216B17-FAE6-42CE-8E1C-99CC86E161A3}"/>
               </a:ext>
             </a:extLst>
           </p:cNvPr>
@@ -4644,7 +4770,18 @@
             <p:ph type="title"/>
           </p:nvPr>
         </p:nvSpPr>
-        <p:spPr/>
+        <p:spPr>
+          <a:xfrm>
+            <a:off x="848360" y="385445"/>
+            <a:ext cx="10515600" cy="793115"/>
+          </a:xfrm>
+          <a:solidFill>
+            <a:schemeClr val="tx2">
+              <a:lumMod val="20000"/>
+              <a:lumOff val="80000"/>
+            </a:schemeClr>
+          </a:solidFill>
+        </p:spPr>
         <p:txBody>
           <a:bodyPr/>
           <a:lstStyle/>
@@ -4655,7 +4792,7 @@
             </a:r>
             <a:r>
               <a:rPr lang="en-US" sz="2000" b="1" dirty="0"/>
-              <a:t>(Bivariate Analysis)</a:t>
+              <a:t>(univariate analysis)</a:t>
             </a:r>
             <a:endParaRPr lang="en-US" b="1" dirty="0"/>
           </a:p>
@@ -4663,10 +4800,10 @@
       </p:sp>
       <p:pic>
         <p:nvPicPr>
-          <p:cNvPr id="6" name="image23.png">
-            <a:extLst>
-              <a:ext uri="{FF2B5EF4-FFF2-40B4-BE49-F238E27FC236}">
-                <a16:creationId xmlns:a16="http://schemas.microsoft.com/office/drawing/2014/main" id="{273BE435-846F-4E1C-A9CD-A6B3BDC0B4E4}"/>
+          <p:cNvPr id="4" name="image14.jpg">
+            <a:extLst>
+              <a:ext uri="{FF2B5EF4-FFF2-40B4-BE49-F238E27FC236}">
+                <a16:creationId xmlns:a16="http://schemas.microsoft.com/office/drawing/2014/main" id="{A661D6C5-14E5-4001-9D39-2803AC74C013}"/>
               </a:ext>
             </a:extLst>
           </p:cNvPr>
@@ -4674,7 +4811,7 @@
             <a:picLocks noGrp="1"/>
           </p:cNvPicPr>
           <p:nvPr>
-            <p:ph sz="half" idx="2"/>
+            <p:ph idx="1"/>
           </p:nvPr>
         </p:nvPicPr>
         <p:blipFill>
@@ -4686,51 +4823,23 @@
         </p:blipFill>
         <p:spPr>
           <a:xfrm>
-            <a:off x="6172200" y="2447591"/>
-            <a:ext cx="5181600" cy="3107406"/>
+            <a:off x="838200" y="1684105"/>
+            <a:ext cx="10515600" cy="3967627"/>
           </a:xfrm>
           <a:prstGeom prst="rect">
             <a:avLst/>
           </a:prstGeom>
+          <a:blipFill>
+            <a:blip r:embed="rId3"/>
+            <a:tile tx="0" ty="0" sx="100000" sy="100000" flip="none" algn="tl"/>
+          </a:blipFill>
           <a:ln/>
-        </p:spPr>
-      </p:pic>
-      <p:pic>
-        <p:nvPicPr>
-          <p:cNvPr id="9" name="Content Placeholder 8">
-            <a:extLst>
-              <a:ext uri="{FF2B5EF4-FFF2-40B4-BE49-F238E27FC236}">
-                <a16:creationId xmlns:a16="http://schemas.microsoft.com/office/drawing/2014/main" id="{FD159CBF-27FD-454E-B4AB-97C5B613E0DA}"/>
-              </a:ext>
-            </a:extLst>
-          </p:cNvPr>
-          <p:cNvPicPr>
-            <a:picLocks noGrp="1" noChangeAspect="1"/>
-          </p:cNvPicPr>
-          <p:nvPr>
-            <p:ph sz="half" idx="1"/>
-          </p:nvPr>
-        </p:nvPicPr>
-        <p:blipFill>
-          <a:blip r:embed="rId3"/>
-          <a:stretch>
-            <a:fillRect/>
-          </a:stretch>
-        </p:blipFill>
-        <p:spPr>
-          <a:xfrm>
-            <a:off x="838200" y="2447591"/>
-            <a:ext cx="5257799" cy="3107406"/>
-          </a:xfrm>
-          <a:prstGeom prst="rect">
-            <a:avLst/>
-          </a:prstGeom>
         </p:spPr>
       </p:pic>
     </p:spTree>
     <p:extLst>
       <p:ext uri="{BB962C8B-B14F-4D97-AF65-F5344CB8AC3E}">
-        <p14:creationId xmlns:p14="http://schemas.microsoft.com/office/powerpoint/2010/main" val="3709035899"/>
+        <p14:creationId xmlns:p14="http://schemas.microsoft.com/office/powerpoint/2010/main" val="4000437512"/>
       </p:ext>
     </p:extLst>
   </p:cSld>
@@ -4796,7 +4905,7 @@
           <p:cNvPr id="2" name="Title 1">
             <a:extLst>
               <a:ext uri="{FF2B5EF4-FFF2-40B4-BE49-F238E27FC236}">
-                <a16:creationId xmlns:a16="http://schemas.microsoft.com/office/drawing/2014/main" id="{7B676FB3-23A1-4B5B-A6D3-F8A02CA586B8}"/>
+                <a16:creationId xmlns:a16="http://schemas.microsoft.com/office/drawing/2014/main" id="{037A1E4F-D9D5-4479-B1BB-404C9A30D150}"/>
               </a:ext>
             </a:extLst>
           </p:cNvPr>
@@ -4807,181 +4916,93 @@
             <p:ph type="title"/>
           </p:nvPr>
         </p:nvSpPr>
+        <p:spPr/>
+        <p:txBody>
+          <a:bodyPr/>
+          <a:lstStyle/>
+          <a:p>
+            <a:r>
+              <a:rPr lang="en-US" dirty="0"/>
+              <a:t>EDA..</a:t>
+            </a:r>
+            <a:r>
+              <a:rPr lang="en-US" sz="2000" b="1" dirty="0"/>
+              <a:t>(Bivariate Analysis)</a:t>
+            </a:r>
+            <a:endParaRPr lang="en-US" b="1" dirty="0"/>
+          </a:p>
+        </p:txBody>
+      </p:sp>
+      <p:pic>
+        <p:nvPicPr>
+          <p:cNvPr id="6" name="image23.png">
+            <a:extLst>
+              <a:ext uri="{FF2B5EF4-FFF2-40B4-BE49-F238E27FC236}">
+                <a16:creationId xmlns:a16="http://schemas.microsoft.com/office/drawing/2014/main" id="{273BE435-846F-4E1C-A9CD-A6B3BDC0B4E4}"/>
+              </a:ext>
+            </a:extLst>
+          </p:cNvPr>
+          <p:cNvPicPr>
+            <a:picLocks noGrp="1"/>
+          </p:cNvPicPr>
+          <p:nvPr>
+            <p:ph sz="half" idx="2"/>
+          </p:nvPr>
+        </p:nvPicPr>
+        <p:blipFill>
+          <a:blip r:embed="rId2"/>
+          <a:srcRect/>
+          <a:stretch>
+            <a:fillRect/>
+          </a:stretch>
+        </p:blipFill>
         <p:spPr>
           <a:xfrm>
-            <a:off x="838200" y="104776"/>
-            <a:ext cx="10515600" cy="823912"/>
+            <a:off x="6172200" y="2447591"/>
+            <a:ext cx="5181600" cy="3107406"/>
           </a:xfrm>
+          <a:prstGeom prst="rect">
+            <a:avLst/>
+          </a:prstGeom>
+          <a:ln/>
         </p:spPr>
-        <p:txBody>
-          <a:bodyPr/>
-          <a:lstStyle/>
-          <a:p>
-            <a:r>
-              <a:rPr lang="en-US" dirty="0"/>
-              <a:t>Model Building</a:t>
-            </a:r>
-          </a:p>
-        </p:txBody>
-      </p:sp>
-      <p:sp>
-        <p:nvSpPr>
-          <p:cNvPr id="3" name="Text Placeholder 2">
-            <a:extLst>
-              <a:ext uri="{FF2B5EF4-FFF2-40B4-BE49-F238E27FC236}">
-                <a16:creationId xmlns:a16="http://schemas.microsoft.com/office/drawing/2014/main" id="{2DE6071F-84BC-4600-9DED-2505B5F43A45}"/>
-              </a:ext>
-            </a:extLst>
-          </p:cNvPr>
-          <p:cNvSpPr>
-            <a:spLocks noGrp="1"/>
-          </p:cNvSpPr>
-          <p:nvPr>
-            <p:ph type="body" idx="1"/>
-          </p:nvPr>
-        </p:nvSpPr>
+      </p:pic>
+      <p:pic>
+        <p:nvPicPr>
+          <p:cNvPr id="9" name="Content Placeholder 8">
+            <a:extLst>
+              <a:ext uri="{FF2B5EF4-FFF2-40B4-BE49-F238E27FC236}">
+                <a16:creationId xmlns:a16="http://schemas.microsoft.com/office/drawing/2014/main" id="{FD159CBF-27FD-454E-B4AB-97C5B613E0DA}"/>
+              </a:ext>
+            </a:extLst>
+          </p:cNvPr>
+          <p:cNvPicPr>
+            <a:picLocks noGrp="1" noChangeAspect="1"/>
+          </p:cNvPicPr>
+          <p:nvPr>
+            <p:ph sz="half" idx="1"/>
+          </p:nvPr>
+        </p:nvPicPr>
+        <p:blipFill>
+          <a:blip r:embed="rId3"/>
+          <a:stretch>
+            <a:fillRect/>
+          </a:stretch>
+        </p:blipFill>
         <p:spPr>
           <a:xfrm>
-            <a:off x="912812" y="747396"/>
-            <a:ext cx="5157787" cy="823913"/>
+            <a:off x="838200" y="2447591"/>
+            <a:ext cx="5257799" cy="3107406"/>
           </a:xfrm>
+          <a:prstGeom prst="rect">
+            <a:avLst/>
+          </a:prstGeom>
         </p:spPr>
-        <p:txBody>
-          <a:bodyPr/>
-          <a:lstStyle/>
-          <a:p>
-            <a:r>
-              <a:rPr lang="en-US" dirty="0"/>
-              <a:t>KNN Model</a:t>
-            </a:r>
-          </a:p>
-        </p:txBody>
-      </p:sp>
-      <p:sp>
-        <p:nvSpPr>
-          <p:cNvPr id="4" name="Content Placeholder 3">
-            <a:extLst>
-              <a:ext uri="{FF2B5EF4-FFF2-40B4-BE49-F238E27FC236}">
-                <a16:creationId xmlns:a16="http://schemas.microsoft.com/office/drawing/2014/main" id="{F006830F-94D7-4625-BD34-8420C75EBFB3}"/>
-              </a:ext>
-            </a:extLst>
-          </p:cNvPr>
-          <p:cNvSpPr>
-            <a:spLocks noGrp="1"/>
-          </p:cNvSpPr>
-          <p:nvPr>
-            <p:ph sz="half" idx="2"/>
-          </p:nvPr>
-        </p:nvSpPr>
-        <p:spPr>
-          <a:xfrm>
-            <a:off x="927100" y="1596072"/>
-            <a:ext cx="5157787" cy="4593591"/>
-          </a:xfrm>
-        </p:spPr>
-        <p:txBody>
-          <a:bodyPr>
-            <a:normAutofit/>
-          </a:bodyPr>
-          <a:lstStyle/>
-          <a:p>
-            <a:r>
-              <a:rPr lang="en-US" sz="1800" dirty="0"/>
-              <a:t>KNN model is used to build a classification model which can be used predict if the patient has     pneumonia or not</a:t>
-            </a:r>
-          </a:p>
-          <a:p>
-            <a:r>
-              <a:rPr lang="en-US" sz="1800" dirty="0"/>
-              <a:t>KNN model was built by resizing the image 100x100 array of pixels</a:t>
-            </a:r>
-          </a:p>
-          <a:p>
-            <a:r>
-              <a:rPr lang="en-US" sz="1800" dirty="0"/>
-              <a:t>Achieved score of 78% in predicting the presence of pneumonia</a:t>
-            </a:r>
-          </a:p>
-          <a:p>
-            <a:endParaRPr lang="en-US" sz="1800" dirty="0"/>
-          </a:p>
-        </p:txBody>
-      </p:sp>
-      <p:sp>
-        <p:nvSpPr>
-          <p:cNvPr id="5" name="Text Placeholder 4">
-            <a:extLst>
-              <a:ext uri="{FF2B5EF4-FFF2-40B4-BE49-F238E27FC236}">
-                <a16:creationId xmlns:a16="http://schemas.microsoft.com/office/drawing/2014/main" id="{BECDD6FC-AD17-434B-AF7F-6B161600A052}"/>
-              </a:ext>
-            </a:extLst>
-          </p:cNvPr>
-          <p:cNvSpPr>
-            <a:spLocks noGrp="1"/>
-          </p:cNvSpPr>
-          <p:nvPr>
-            <p:ph type="body" sz="quarter" idx="3"/>
-          </p:nvPr>
-        </p:nvSpPr>
-        <p:spPr>
-          <a:xfrm>
-            <a:off x="6095999" y="747395"/>
-            <a:ext cx="5157788" cy="823913"/>
-          </a:xfrm>
-        </p:spPr>
-        <p:txBody>
-          <a:bodyPr/>
-          <a:lstStyle/>
-          <a:p>
-            <a:r>
-              <a:rPr lang="en-US" dirty="0"/>
-              <a:t>CNN model</a:t>
-            </a:r>
-          </a:p>
-        </p:txBody>
-      </p:sp>
-      <p:sp>
-        <p:nvSpPr>
-          <p:cNvPr id="6" name="Content Placeholder 5">
-            <a:extLst>
-              <a:ext uri="{FF2B5EF4-FFF2-40B4-BE49-F238E27FC236}">
-                <a16:creationId xmlns:a16="http://schemas.microsoft.com/office/drawing/2014/main" id="{0583E759-6E94-4D1F-88FF-F4E6A73F5087}"/>
-              </a:ext>
-            </a:extLst>
-          </p:cNvPr>
-          <p:cNvSpPr>
-            <a:spLocks noGrp="1"/>
-          </p:cNvSpPr>
-          <p:nvPr>
-            <p:ph sz="quarter" idx="4"/>
-          </p:nvPr>
-        </p:nvSpPr>
-        <p:spPr>
-          <a:xfrm>
-            <a:off x="6096000" y="1571309"/>
-            <a:ext cx="5183188" cy="4685982"/>
-          </a:xfrm>
-        </p:spPr>
-        <p:txBody>
-          <a:bodyPr>
-            <a:normAutofit/>
-          </a:bodyPr>
-          <a:lstStyle/>
-          <a:p>
-            <a:r>
-              <a:rPr lang="en-US" sz="1800" dirty="0"/>
-              <a:t>We could detect the areas within x-ray displaying lung opacity</a:t>
-            </a:r>
-          </a:p>
-          <a:p>
-            <a:endParaRPr lang="en-US" sz="1800" dirty="0"/>
-          </a:p>
-        </p:txBody>
-      </p:sp>
+      </p:pic>
     </p:spTree>
     <p:extLst>
       <p:ext uri="{BB962C8B-B14F-4D97-AF65-F5344CB8AC3E}">
-        <p14:creationId xmlns:p14="http://schemas.microsoft.com/office/powerpoint/2010/main" val="1190381288"/>
+        <p14:creationId xmlns:p14="http://schemas.microsoft.com/office/powerpoint/2010/main" val="3709035899"/>
       </p:ext>
     </p:extLst>
   </p:cSld>
@@ -5047,7 +5068,7 @@
           <p:cNvPr id="2" name="Title 1">
             <a:extLst>
               <a:ext uri="{FF2B5EF4-FFF2-40B4-BE49-F238E27FC236}">
-                <a16:creationId xmlns:a16="http://schemas.microsoft.com/office/drawing/2014/main" id="{3C0E4224-BA1F-459F-8AAA-595E5EE87780}"/>
+                <a16:creationId xmlns:a16="http://schemas.microsoft.com/office/drawing/2014/main" id="{7B676FB3-23A1-4B5B-A6D3-F8A02CA586B8}"/>
               </a:ext>
             </a:extLst>
           </p:cNvPr>
@@ -5058,72 +5079,181 @@
             <p:ph type="title"/>
           </p:nvPr>
         </p:nvSpPr>
-        <p:spPr/>
+        <p:spPr>
+          <a:xfrm>
+            <a:off x="838200" y="104776"/>
+            <a:ext cx="10515600" cy="823912"/>
+          </a:xfrm>
+        </p:spPr>
         <p:txBody>
           <a:bodyPr/>
           <a:lstStyle/>
           <a:p>
             <a:r>
               <a:rPr lang="en-US" dirty="0"/>
-              <a:t>KNN architecture</a:t>
-            </a:r>
-          </a:p>
-        </p:txBody>
-      </p:sp>
-      <p:sp>
-        <p:nvSpPr>
-          <p:cNvPr id="3" name="Content Placeholder 2">
-            <a:extLst>
-              <a:ext uri="{FF2B5EF4-FFF2-40B4-BE49-F238E27FC236}">
-                <a16:creationId xmlns:a16="http://schemas.microsoft.com/office/drawing/2014/main" id="{33D6F9E9-50AF-4341-A59B-8A7C04BA3AFB}"/>
-              </a:ext>
-            </a:extLst>
-          </p:cNvPr>
-          <p:cNvSpPr>
-            <a:spLocks noGrp="1"/>
-          </p:cNvSpPr>
-          <p:nvPr>
-            <p:ph idx="1"/>
-          </p:nvPr>
-        </p:nvSpPr>
-        <p:spPr/>
+              <a:t>Model Building</a:t>
+            </a:r>
+          </a:p>
+        </p:txBody>
+      </p:sp>
+      <p:sp>
+        <p:nvSpPr>
+          <p:cNvPr id="3" name="Text Placeholder 2">
+            <a:extLst>
+              <a:ext uri="{FF2B5EF4-FFF2-40B4-BE49-F238E27FC236}">
+                <a16:creationId xmlns:a16="http://schemas.microsoft.com/office/drawing/2014/main" id="{2DE6071F-84BC-4600-9DED-2505B5F43A45}"/>
+              </a:ext>
+            </a:extLst>
+          </p:cNvPr>
+          <p:cNvSpPr>
+            <a:spLocks noGrp="1"/>
+          </p:cNvSpPr>
+          <p:nvPr>
+            <p:ph type="body" idx="1"/>
+          </p:nvPr>
+        </p:nvSpPr>
+        <p:spPr>
+          <a:xfrm>
+            <a:off x="912812" y="747396"/>
+            <a:ext cx="5157787" cy="823913"/>
+          </a:xfrm>
+        </p:spPr>
         <p:txBody>
           <a:bodyPr/>
           <a:lstStyle/>
           <a:p>
-            <a:endParaRPr lang="en-US" dirty="0"/>
-          </a:p>
-        </p:txBody>
-      </p:sp>
-      <p:sp>
-        <p:nvSpPr>
-          <p:cNvPr id="4" name="Text Placeholder 3">
-            <a:extLst>
-              <a:ext uri="{FF2B5EF4-FFF2-40B4-BE49-F238E27FC236}">
-                <a16:creationId xmlns:a16="http://schemas.microsoft.com/office/drawing/2014/main" id="{99AE1DAC-5FDD-4AFC-A572-B0257CF2DA4E}"/>
-              </a:ext>
-            </a:extLst>
-          </p:cNvPr>
-          <p:cNvSpPr>
-            <a:spLocks noGrp="1"/>
-          </p:cNvSpPr>
-          <p:nvPr>
-            <p:ph type="body" sz="half" idx="2"/>
-          </p:nvPr>
-        </p:nvSpPr>
-        <p:spPr/>
+            <a:r>
+              <a:rPr lang="en-US" dirty="0"/>
+              <a:t>Machine learning Model</a:t>
+            </a:r>
+          </a:p>
+        </p:txBody>
+      </p:sp>
+      <p:sp>
+        <p:nvSpPr>
+          <p:cNvPr id="4" name="Content Placeholder 3">
+            <a:extLst>
+              <a:ext uri="{FF2B5EF4-FFF2-40B4-BE49-F238E27FC236}">
+                <a16:creationId xmlns:a16="http://schemas.microsoft.com/office/drawing/2014/main" id="{F006830F-94D7-4625-BD34-8420C75EBFB3}"/>
+              </a:ext>
+            </a:extLst>
+          </p:cNvPr>
+          <p:cNvSpPr>
+            <a:spLocks noGrp="1"/>
+          </p:cNvSpPr>
+          <p:nvPr>
+            <p:ph sz="half" idx="2"/>
+          </p:nvPr>
+        </p:nvSpPr>
+        <p:spPr>
+          <a:xfrm>
+            <a:off x="927100" y="1596072"/>
+            <a:ext cx="5157787" cy="4593591"/>
+          </a:xfrm>
+        </p:spPr>
+        <p:txBody>
+          <a:bodyPr>
+            <a:normAutofit/>
+          </a:bodyPr>
+          <a:lstStyle/>
+          <a:p>
+            <a:r>
+              <a:rPr lang="en-US" sz="1800" dirty="0"/>
+              <a:t>KNN model is used to build a classification model which can be used predict if the patient has     pneumonia or not</a:t>
+            </a:r>
+          </a:p>
+          <a:p>
+            <a:r>
+              <a:rPr lang="en-US" sz="1800" dirty="0"/>
+              <a:t>KNN model was built by resizing the image 100x100 array of pixels</a:t>
+            </a:r>
+          </a:p>
+          <a:p>
+            <a:r>
+              <a:rPr lang="en-US" sz="1800" dirty="0"/>
+              <a:t>Achieved score of 78% in predicting the presence of pneumonia</a:t>
+            </a:r>
+          </a:p>
+          <a:p>
+            <a:endParaRPr lang="en-US" sz="1800" dirty="0"/>
+          </a:p>
+        </p:txBody>
+      </p:sp>
+      <p:sp>
+        <p:nvSpPr>
+          <p:cNvPr id="5" name="Text Placeholder 4">
+            <a:extLst>
+              <a:ext uri="{FF2B5EF4-FFF2-40B4-BE49-F238E27FC236}">
+                <a16:creationId xmlns:a16="http://schemas.microsoft.com/office/drawing/2014/main" id="{BECDD6FC-AD17-434B-AF7F-6B161600A052}"/>
+              </a:ext>
+            </a:extLst>
+          </p:cNvPr>
+          <p:cNvSpPr>
+            <a:spLocks noGrp="1"/>
+          </p:cNvSpPr>
+          <p:nvPr>
+            <p:ph type="body" sz="quarter" idx="3"/>
+          </p:nvPr>
+        </p:nvSpPr>
+        <p:spPr>
+          <a:xfrm>
+            <a:off x="6095999" y="747395"/>
+            <a:ext cx="5157788" cy="823913"/>
+          </a:xfrm>
+        </p:spPr>
         <p:txBody>
           <a:bodyPr/>
           <a:lstStyle/>
           <a:p>
-            <a:endParaRPr lang="en-US"/>
+            <a:r>
+              <a:rPr lang="en-US" dirty="0"/>
+              <a:t>Neural network model</a:t>
+            </a:r>
+          </a:p>
+        </p:txBody>
+      </p:sp>
+      <p:sp>
+        <p:nvSpPr>
+          <p:cNvPr id="6" name="Content Placeholder 5">
+            <a:extLst>
+              <a:ext uri="{FF2B5EF4-FFF2-40B4-BE49-F238E27FC236}">
+                <a16:creationId xmlns:a16="http://schemas.microsoft.com/office/drawing/2014/main" id="{0583E759-6E94-4D1F-88FF-F4E6A73F5087}"/>
+              </a:ext>
+            </a:extLst>
+          </p:cNvPr>
+          <p:cNvSpPr>
+            <a:spLocks noGrp="1"/>
+          </p:cNvSpPr>
+          <p:nvPr>
+            <p:ph sz="quarter" idx="4"/>
+          </p:nvPr>
+        </p:nvSpPr>
+        <p:spPr>
+          <a:xfrm>
+            <a:off x="6096000" y="1571309"/>
+            <a:ext cx="5183188" cy="4685982"/>
+          </a:xfrm>
+        </p:spPr>
+        <p:txBody>
+          <a:bodyPr>
+            <a:normAutofit/>
+          </a:bodyPr>
+          <a:lstStyle/>
+          <a:p>
+            <a:r>
+              <a:rPr lang="en-US" sz="1800" dirty="0"/>
+              <a:t>Using CNN, we could detect the areas within x-ray displaying lung opacity</a:t>
+            </a:r>
+          </a:p>
+          <a:p>
+            <a:endParaRPr lang="en-US" sz="1800" dirty="0"/>
           </a:p>
         </p:txBody>
       </p:sp>
     </p:spTree>
     <p:extLst>
       <p:ext uri="{BB962C8B-B14F-4D97-AF65-F5344CB8AC3E}">
-        <p14:creationId xmlns:p14="http://schemas.microsoft.com/office/powerpoint/2010/main" val="73880758"/>
+        <p14:creationId xmlns:p14="http://schemas.microsoft.com/office/powerpoint/2010/main" val="1190381288"/>
       </p:ext>
     </p:extLst>
   </p:cSld>
@@ -5258,7 +5388,7 @@
           <a:bodyPr/>
           <a:lstStyle/>
           <a:p>
-            <a:endParaRPr lang="en-US"/>
+            <a:endParaRPr lang="en-US" dirty="0"/>
           </a:p>
         </p:txBody>
       </p:sp>

--- a/Final_Report/CapStone-Project.pptx
+++ b/Final_Report/CapStone-Project.pptx
@@ -205,7 +205,7 @@
           <a:p>
             <a:fld id="{74A091B0-9654-4061-9A1F-39E2CFBEB343}" type="datetimeFigureOut">
               <a:rPr lang="en-US" smtClean="0"/>
-              <a:t>5/13/2020</a:t>
+              <a:t>5/17/2020</a:t>
             </a:fld>
             <a:endParaRPr lang="en-US"/>
           </a:p>
@@ -703,7 +703,7 @@
           <a:p>
             <a:fld id="{36751E52-2B55-49BD-AB12-761FF8DFE42C}" type="datetimeFigureOut">
               <a:rPr lang="en-US" smtClean="0"/>
-              <a:t>5/13/2020</a:t>
+              <a:t>5/17/2020</a:t>
             </a:fld>
             <a:endParaRPr lang="en-US"/>
           </a:p>
@@ -901,7 +901,7 @@
           <a:p>
             <a:fld id="{36751E52-2B55-49BD-AB12-761FF8DFE42C}" type="datetimeFigureOut">
               <a:rPr lang="en-US" smtClean="0"/>
-              <a:t>5/13/2020</a:t>
+              <a:t>5/17/2020</a:t>
             </a:fld>
             <a:endParaRPr lang="en-US"/>
           </a:p>
@@ -1109,7 +1109,7 @@
           <a:p>
             <a:fld id="{36751E52-2B55-49BD-AB12-761FF8DFE42C}" type="datetimeFigureOut">
               <a:rPr lang="en-US" smtClean="0"/>
-              <a:t>5/13/2020</a:t>
+              <a:t>5/17/2020</a:t>
             </a:fld>
             <a:endParaRPr lang="en-US"/>
           </a:p>
@@ -1307,7 +1307,7 @@
           <a:p>
             <a:fld id="{36751E52-2B55-49BD-AB12-761FF8DFE42C}" type="datetimeFigureOut">
               <a:rPr lang="en-US" smtClean="0"/>
-              <a:t>5/13/2020</a:t>
+              <a:t>5/17/2020</a:t>
             </a:fld>
             <a:endParaRPr lang="en-US"/>
           </a:p>
@@ -1582,7 +1582,7 @@
           <a:p>
             <a:fld id="{36751E52-2B55-49BD-AB12-761FF8DFE42C}" type="datetimeFigureOut">
               <a:rPr lang="en-US" smtClean="0"/>
-              <a:t>5/13/2020</a:t>
+              <a:t>5/17/2020</a:t>
             </a:fld>
             <a:endParaRPr lang="en-US"/>
           </a:p>
@@ -1847,7 +1847,7 @@
           <a:p>
             <a:fld id="{36751E52-2B55-49BD-AB12-761FF8DFE42C}" type="datetimeFigureOut">
               <a:rPr lang="en-US" smtClean="0"/>
-              <a:t>5/13/2020</a:t>
+              <a:t>5/17/2020</a:t>
             </a:fld>
             <a:endParaRPr lang="en-US"/>
           </a:p>
@@ -2259,7 +2259,7 @@
           <a:p>
             <a:fld id="{36751E52-2B55-49BD-AB12-761FF8DFE42C}" type="datetimeFigureOut">
               <a:rPr lang="en-US" smtClean="0"/>
-              <a:t>5/13/2020</a:t>
+              <a:t>5/17/2020</a:t>
             </a:fld>
             <a:endParaRPr lang="en-US"/>
           </a:p>
@@ -2400,7 +2400,7 @@
           <a:p>
             <a:fld id="{36751E52-2B55-49BD-AB12-761FF8DFE42C}" type="datetimeFigureOut">
               <a:rPr lang="en-US" smtClean="0"/>
-              <a:t>5/13/2020</a:t>
+              <a:t>5/17/2020</a:t>
             </a:fld>
             <a:endParaRPr lang="en-US"/>
           </a:p>
@@ -2513,7 +2513,7 @@
           <a:p>
             <a:fld id="{36751E52-2B55-49BD-AB12-761FF8DFE42C}" type="datetimeFigureOut">
               <a:rPr lang="en-US" smtClean="0"/>
-              <a:t>5/13/2020</a:t>
+              <a:t>5/17/2020</a:t>
             </a:fld>
             <a:endParaRPr lang="en-US"/>
           </a:p>
@@ -2824,7 +2824,7 @@
           <a:p>
             <a:fld id="{36751E52-2B55-49BD-AB12-761FF8DFE42C}" type="datetimeFigureOut">
               <a:rPr lang="en-US" smtClean="0"/>
-              <a:t>5/13/2020</a:t>
+              <a:t>5/17/2020</a:t>
             </a:fld>
             <a:endParaRPr lang="en-US"/>
           </a:p>
@@ -3112,7 +3112,7 @@
           <a:p>
             <a:fld id="{36751E52-2B55-49BD-AB12-761FF8DFE42C}" type="datetimeFigureOut">
               <a:rPr lang="en-US" smtClean="0"/>
-              <a:t>5/13/2020</a:t>
+              <a:t>5/17/2020</a:t>
             </a:fld>
             <a:endParaRPr lang="en-US"/>
           </a:p>
@@ -3353,7 +3353,7 @@
           <a:p>
             <a:fld id="{36751E52-2B55-49BD-AB12-761FF8DFE42C}" type="datetimeFigureOut">
               <a:rPr lang="en-US" smtClean="0"/>
-              <a:t>5/13/2020</a:t>
+              <a:t>5/17/2020</a:t>
             </a:fld>
             <a:endParaRPr lang="en-US"/>
           </a:p>
@@ -5242,7 +5242,17 @@
           <a:p>
             <a:r>
               <a:rPr lang="en-US" sz="1800" dirty="0"/>
-              <a:t>Using CNN, we could detect the areas within x-ray displaying lung opacity</a:t>
+              <a:t>Tried with different models</a:t>
+            </a:r>
+          </a:p>
+          <a:p>
+            <a:r>
+              <a:rPr lang="en-US" sz="1800" dirty="0" err="1"/>
+              <a:t>Unet</a:t>
+            </a:r>
+            <a:r>
+              <a:rPr lang="en-US" sz="1800" dirty="0"/>
+              <a:t> is the final model selected.</a:t>
             </a:r>
           </a:p>
           <a:p>
@@ -5336,62 +5346,113 @@
           <a:lstStyle/>
           <a:p>
             <a:r>
+              <a:rPr lang="en-US" dirty="0" err="1"/>
+              <a:t>Unet</a:t>
+            </a:r>
+            <a:r>
               <a:rPr lang="en-US" dirty="0"/>
-              <a:t>CNN architecture</a:t>
-            </a:r>
-          </a:p>
-        </p:txBody>
-      </p:sp>
-      <p:sp>
-        <p:nvSpPr>
-          <p:cNvPr id="3" name="Content Placeholder 2">
-            <a:extLst>
-              <a:ext uri="{FF2B5EF4-FFF2-40B4-BE49-F238E27FC236}">
-                <a16:creationId xmlns:a16="http://schemas.microsoft.com/office/drawing/2014/main" id="{53B1685E-C64C-44E0-BD91-27884E1124E0}"/>
-              </a:ext>
-            </a:extLst>
-          </p:cNvPr>
-          <p:cNvSpPr>
-            <a:spLocks noGrp="1"/>
-          </p:cNvSpPr>
+              <a:t> architecture</a:t>
+            </a:r>
+          </a:p>
+        </p:txBody>
+      </p:sp>
+      <p:sp>
+        <p:nvSpPr>
+          <p:cNvPr id="4" name="Text Placeholder 3">
+            <a:extLst>
+              <a:ext uri="{FF2B5EF4-FFF2-40B4-BE49-F238E27FC236}">
+                <a16:creationId xmlns:a16="http://schemas.microsoft.com/office/drawing/2014/main" id="{E07EDC14-0DA3-456A-9764-C0898F047D43}"/>
+              </a:ext>
+            </a:extLst>
+          </p:cNvPr>
+          <p:cNvSpPr>
+            <a:spLocks noGrp="1"/>
+          </p:cNvSpPr>
+          <p:nvPr>
+            <p:ph type="body" sz="half" idx="2"/>
+          </p:nvPr>
+        </p:nvSpPr>
+        <p:spPr/>
+        <p:txBody>
+          <a:bodyPr/>
+          <a:lstStyle/>
+          <a:p>
+            <a:r>
+              <a:rPr lang="en-US" dirty="0"/>
+              <a:t>. The architecture looks like a ‘U’ which justifies its name</a:t>
+            </a:r>
+          </a:p>
+          <a:p>
+            <a:r>
+              <a:rPr lang="en-US" dirty="0"/>
+              <a:t>. </a:t>
+            </a:r>
+            <a:r>
+              <a:rPr lang="en-US" dirty="0" err="1"/>
+              <a:t>Consistes</a:t>
+            </a:r>
+            <a:r>
+              <a:rPr lang="en-US" dirty="0"/>
+              <a:t> of 3 sections namely The contraction, The bottleneck, and the expansion section</a:t>
+            </a:r>
+          </a:p>
+          <a:p>
+            <a:r>
+              <a:rPr lang="en-US" dirty="0"/>
+              <a:t>.</a:t>
+            </a:r>
+          </a:p>
+        </p:txBody>
+      </p:sp>
+      <p:pic>
+        <p:nvPicPr>
+          <p:cNvPr id="1028" name="Picture 4">
+            <a:extLst>
+              <a:ext uri="{FF2B5EF4-FFF2-40B4-BE49-F238E27FC236}">
+                <a16:creationId xmlns:a16="http://schemas.microsoft.com/office/drawing/2014/main" id="{F4EC621E-164C-4C67-B52C-9E5C51B0F878}"/>
+              </a:ext>
+            </a:extLst>
+          </p:cNvPr>
+          <p:cNvPicPr>
+            <a:picLocks noGrp="1" noChangeAspect="1" noChangeArrowheads="1"/>
+          </p:cNvPicPr>
           <p:nvPr>
             <p:ph idx="1"/>
           </p:nvPr>
-        </p:nvSpPr>
-        <p:spPr/>
-        <p:txBody>
-          <a:bodyPr/>
-          <a:lstStyle/>
-          <a:p>
-            <a:endParaRPr lang="en-US"/>
-          </a:p>
-        </p:txBody>
-      </p:sp>
-      <p:sp>
-        <p:nvSpPr>
-          <p:cNvPr id="4" name="Text Placeholder 3">
-            <a:extLst>
-              <a:ext uri="{FF2B5EF4-FFF2-40B4-BE49-F238E27FC236}">
-                <a16:creationId xmlns:a16="http://schemas.microsoft.com/office/drawing/2014/main" id="{E07EDC14-0DA3-456A-9764-C0898F047D43}"/>
-              </a:ext>
-            </a:extLst>
-          </p:cNvPr>
-          <p:cNvSpPr>
-            <a:spLocks noGrp="1"/>
-          </p:cNvSpPr>
-          <p:nvPr>
-            <p:ph type="body" sz="half" idx="2"/>
-          </p:nvPr>
-        </p:nvSpPr>
-        <p:spPr/>
-        <p:txBody>
-          <a:bodyPr/>
-          <a:lstStyle/>
-          <a:p>
-            <a:endParaRPr lang="en-US" dirty="0"/>
-          </a:p>
-        </p:txBody>
-      </p:sp>
+        </p:nvPicPr>
+        <p:blipFill>
+          <a:blip r:embed="rId2">
+            <a:extLst>
+              <a:ext uri="{28A0092B-C50C-407E-A947-70E740481C1C}">
+                <a14:useLocalDpi xmlns:a14="http://schemas.microsoft.com/office/drawing/2010/main" val="0"/>
+              </a:ext>
+            </a:extLst>
+          </a:blip>
+          <a:srcRect/>
+          <a:stretch>
+            <a:fillRect/>
+          </a:stretch>
+        </p:blipFill>
+        <p:spPr bwMode="auto">
+          <a:xfrm>
+            <a:off x="5366068" y="1907117"/>
+            <a:ext cx="6172200" cy="4112153"/>
+          </a:xfrm>
+          <a:prstGeom prst="rect">
+            <a:avLst/>
+          </a:prstGeom>
+          <a:noFill/>
+          <a:extLst>
+            <a:ext uri="{909E8E84-426E-40DD-AFC4-6F175D3DCCD1}">
+              <a14:hiddenFill xmlns:a14="http://schemas.microsoft.com/office/drawing/2010/main">
+                <a:solidFill>
+                  <a:srgbClr val="FFFFFF"/>
+                </a:solidFill>
+              </a14:hiddenFill>
+            </a:ext>
+          </a:extLst>
+        </p:spPr>
+      </p:pic>
     </p:spTree>
     <p:extLst>
       <p:ext uri="{BB962C8B-B14F-4D97-AF65-F5344CB8AC3E}">
